--- a/build/assets/template.pptx
+++ b/build/assets/template.pptx
@@ -5,7 +5,7 @@
     <p:sldMasterId id="2147483648" r:id="rId4"/>
   </p:sldMasterIdLst>
   <p:notesMasterIdLst>
-    <p:notesMasterId r:id="rId18"/>
+    <p:notesMasterId r:id="rId17"/>
   </p:notesMasterIdLst>
   <p:sldIdLst>
     <p:sldId id="256" r:id="rId5"/>
@@ -20,7 +20,6 @@
     <p:sldId id="277" r:id="rId14"/>
     <p:sldId id="265" r:id="rId15"/>
     <p:sldId id="273" r:id="rId16"/>
-    <p:sldId id="279" r:id="rId17"/>
   </p:sldIdLst>
   <p:sldSz cx="12192000" cy="6858000"/>
   <p:notesSz cx="6858000" cy="9144000"/>
@@ -2976,7 +2975,7 @@
           <a:p>
             <a:fld id="{E368592B-874F-3D4D-B42A-20B2A5E28AED}" type="datetimeFigureOut">
               <a:rPr lang="fr-FR" smtClean="0"/>
-              <a:t>13/03/2020</a:t>
+              <a:t>29/03/2020</a:t>
             </a:fld>
             <a:endParaRPr lang="fr-FR"/>
           </a:p>
@@ -4164,7 +4163,7 @@
           <a:p>
             <a:fld id="{DD202D68-98EA-9340-ABD1-F07F59F26815}" type="datetimeFigureOut">
               <a:rPr lang="fr-FR" smtClean="0"/>
-              <a:t>13/03/2020</a:t>
+              <a:t>29/03/2020</a:t>
             </a:fld>
             <a:endParaRPr lang="fr-FR"/>
           </a:p>
@@ -4362,7 +4361,7 @@
           <a:p>
             <a:fld id="{DD202D68-98EA-9340-ABD1-F07F59F26815}" type="datetimeFigureOut">
               <a:rPr lang="fr-FR" smtClean="0"/>
-              <a:t>13/03/2020</a:t>
+              <a:t>29/03/2020</a:t>
             </a:fld>
             <a:endParaRPr lang="fr-FR"/>
           </a:p>
@@ -4570,7 +4569,7 @@
           <a:p>
             <a:fld id="{DD202D68-98EA-9340-ABD1-F07F59F26815}" type="datetimeFigureOut">
               <a:rPr lang="fr-FR" smtClean="0"/>
-              <a:t>13/03/2020</a:t>
+              <a:t>29/03/2020</a:t>
             </a:fld>
             <a:endParaRPr lang="fr-FR"/>
           </a:p>
@@ -4768,7 +4767,7 @@
           <a:p>
             <a:fld id="{DD202D68-98EA-9340-ABD1-F07F59F26815}" type="datetimeFigureOut">
               <a:rPr lang="fr-FR" smtClean="0"/>
-              <a:t>13/03/2020</a:t>
+              <a:t>29/03/2020</a:t>
             </a:fld>
             <a:endParaRPr lang="fr-FR"/>
           </a:p>
@@ -5043,7 +5042,7 @@
           <a:p>
             <a:fld id="{DD202D68-98EA-9340-ABD1-F07F59F26815}" type="datetimeFigureOut">
               <a:rPr lang="fr-FR" smtClean="0"/>
-              <a:t>13/03/2020</a:t>
+              <a:t>29/03/2020</a:t>
             </a:fld>
             <a:endParaRPr lang="fr-FR"/>
           </a:p>
@@ -5308,7 +5307,7 @@
           <a:p>
             <a:fld id="{DD202D68-98EA-9340-ABD1-F07F59F26815}" type="datetimeFigureOut">
               <a:rPr lang="fr-FR" smtClean="0"/>
-              <a:t>13/03/2020</a:t>
+              <a:t>29/03/2020</a:t>
             </a:fld>
             <a:endParaRPr lang="fr-FR"/>
           </a:p>
@@ -5720,7 +5719,7 @@
           <a:p>
             <a:fld id="{DD202D68-98EA-9340-ABD1-F07F59F26815}" type="datetimeFigureOut">
               <a:rPr lang="fr-FR" smtClean="0"/>
-              <a:t>13/03/2020</a:t>
+              <a:t>29/03/2020</a:t>
             </a:fld>
             <a:endParaRPr lang="fr-FR"/>
           </a:p>
@@ -5861,7 +5860,7 @@
           <a:p>
             <a:fld id="{DD202D68-98EA-9340-ABD1-F07F59F26815}" type="datetimeFigureOut">
               <a:rPr lang="fr-FR" smtClean="0"/>
-              <a:t>13/03/2020</a:t>
+              <a:t>29/03/2020</a:t>
             </a:fld>
             <a:endParaRPr lang="fr-FR"/>
           </a:p>
@@ -5974,7 +5973,7 @@
           <a:p>
             <a:fld id="{DD202D68-98EA-9340-ABD1-F07F59F26815}" type="datetimeFigureOut">
               <a:rPr lang="fr-FR" smtClean="0"/>
-              <a:t>13/03/2020</a:t>
+              <a:t>29/03/2020</a:t>
             </a:fld>
             <a:endParaRPr lang="fr-FR"/>
           </a:p>
@@ -6285,7 +6284,7 @@
           <a:p>
             <a:fld id="{DD202D68-98EA-9340-ABD1-F07F59F26815}" type="datetimeFigureOut">
               <a:rPr lang="fr-FR" smtClean="0"/>
-              <a:t>13/03/2020</a:t>
+              <a:t>29/03/2020</a:t>
             </a:fld>
             <a:endParaRPr lang="fr-FR"/>
           </a:p>
@@ -6573,7 +6572,7 @@
           <a:p>
             <a:fld id="{DD202D68-98EA-9340-ABD1-F07F59F26815}" type="datetimeFigureOut">
               <a:rPr lang="fr-FR" smtClean="0"/>
-              <a:t>13/03/2020</a:t>
+              <a:t>29/03/2020</a:t>
             </a:fld>
             <a:endParaRPr lang="fr-FR"/>
           </a:p>
@@ -6814,7 +6813,7 @@
           <a:p>
             <a:fld id="{DD202D68-98EA-9340-ABD1-F07F59F26815}" type="datetimeFigureOut">
               <a:rPr lang="fr-FR" smtClean="0"/>
-              <a:t>13/03/2020</a:t>
+              <a:t>29/03/2020</a:t>
             </a:fld>
             <a:endParaRPr lang="fr-FR"/>
           </a:p>
@@ -11149,144 +11148,6 @@
     <p:extLst>
       <p:ext uri="{BB962C8B-B14F-4D97-AF65-F5344CB8AC3E}">
         <p14:creationId xmlns:p14="http://schemas.microsoft.com/office/powerpoint/2010/main" val="3353754274"/>
-      </p:ext>
-    </p:extLst>
-  </p:cSld>
-  <p:clrMapOvr>
-    <a:masterClrMapping/>
-  </p:clrMapOvr>
-</p:sld>
-</file>
-
-<file path=ppt/slides/slide13.xml><?xml version="1.0" encoding="utf-8"?>
-<p:sld xmlns:a="http://schemas.openxmlformats.org/drawingml/2006/main" xmlns:r="http://schemas.openxmlformats.org/officeDocument/2006/relationships" xmlns:p="http://schemas.openxmlformats.org/presentationml/2006/main" show="0">
-  <p:cSld>
-    <p:spTree>
-      <p:nvGrpSpPr>
-        <p:cNvPr id="1" name=""/>
-        <p:cNvGrpSpPr/>
-        <p:nvPr/>
-      </p:nvGrpSpPr>
-      <p:grpSpPr>
-        <a:xfrm>
-          <a:off x="0" y="0"/>
-          <a:ext cx="0" cy="0"/>
-          <a:chOff x="0" y="0"/>
-          <a:chExt cx="0" cy="0"/>
-        </a:xfrm>
-      </p:grpSpPr>
-      <p:pic>
-        <p:nvPicPr>
-          <p:cNvPr id="3" name="Graphique 2" descr="Tendance à la hausse">
-            <a:extLst>
-              <a:ext uri="{FF2B5EF4-FFF2-40B4-BE49-F238E27FC236}">
-                <a16:creationId xmlns:a16="http://schemas.microsoft.com/office/drawing/2014/main" id="{486BB628-7942-A645-9AA7-0374762FB547}"/>
-              </a:ext>
-            </a:extLst>
-          </p:cNvPr>
-          <p:cNvPicPr>
-            <a:picLocks noChangeAspect="1"/>
-          </p:cNvPicPr>
-          <p:nvPr/>
-        </p:nvPicPr>
-        <p:blipFill>
-          <a:blip r:embed="rId2">
-            <a:extLst>
-              <a:ext uri="{96DAC541-7B7A-43D3-8B79-37D633B846F1}">
-                <asvg:svgBlip xmlns:asvg="http://schemas.microsoft.com/office/drawing/2016/SVG/main" r:embed="rId3"/>
-              </a:ext>
-            </a:extLst>
-          </a:blip>
-          <a:stretch>
-            <a:fillRect/>
-          </a:stretch>
-        </p:blipFill>
-        <p:spPr>
-          <a:xfrm>
-            <a:off x="3136232" y="2971800"/>
-            <a:ext cx="914400" cy="914400"/>
-          </a:xfrm>
-          <a:prstGeom prst="rect">
-            <a:avLst/>
-          </a:prstGeom>
-        </p:spPr>
-      </p:pic>
-      <p:pic>
-        <p:nvPicPr>
-          <p:cNvPr id="7" name="Graphique 6" descr="Tendance à la baisse">
-            <a:extLst>
-              <a:ext uri="{FF2B5EF4-FFF2-40B4-BE49-F238E27FC236}">
-                <a16:creationId xmlns:a16="http://schemas.microsoft.com/office/drawing/2014/main" id="{C89975C3-24A5-3943-B004-56080D7E2759}"/>
-              </a:ext>
-            </a:extLst>
-          </p:cNvPr>
-          <p:cNvPicPr>
-            <a:picLocks noChangeAspect="1"/>
-          </p:cNvPicPr>
-          <p:nvPr/>
-        </p:nvPicPr>
-        <p:blipFill>
-          <a:blip r:embed="rId4">
-            <a:extLst>
-              <a:ext uri="{96DAC541-7B7A-43D3-8B79-37D633B846F1}">
-                <asvg:svgBlip xmlns:asvg="http://schemas.microsoft.com/office/drawing/2016/SVG/main" r:embed="rId5"/>
-              </a:ext>
-            </a:extLst>
-          </a:blip>
-          <a:stretch>
-            <a:fillRect/>
-          </a:stretch>
-        </p:blipFill>
-        <p:spPr>
-          <a:xfrm>
-            <a:off x="4692315" y="2971800"/>
-            <a:ext cx="914400" cy="914400"/>
-          </a:xfrm>
-          <a:prstGeom prst="rect">
-            <a:avLst/>
-          </a:prstGeom>
-        </p:spPr>
-      </p:pic>
-      <p:pic>
-        <p:nvPicPr>
-          <p:cNvPr id="10" name="Graphique 9" descr="Flèche tout droit">
-            <a:extLst>
-              <a:ext uri="{FF2B5EF4-FFF2-40B4-BE49-F238E27FC236}">
-                <a16:creationId xmlns:a16="http://schemas.microsoft.com/office/drawing/2014/main" id="{BC14927F-4C7A-CD4F-B73E-ACB23AB5EAD8}"/>
-              </a:ext>
-            </a:extLst>
-          </p:cNvPr>
-          <p:cNvPicPr>
-            <a:picLocks noChangeAspect="1"/>
-          </p:cNvPicPr>
-          <p:nvPr/>
-        </p:nvPicPr>
-        <p:blipFill>
-          <a:blip r:embed="rId6">
-            <a:extLst>
-              <a:ext uri="{96DAC541-7B7A-43D3-8B79-37D633B846F1}">
-                <asvg:svgBlip xmlns:asvg="http://schemas.microsoft.com/office/drawing/2016/SVG/main" r:embed="rId7"/>
-              </a:ext>
-            </a:extLst>
-          </a:blip>
-          <a:stretch>
-            <a:fillRect/>
-          </a:stretch>
-        </p:blipFill>
-        <p:spPr>
-          <a:xfrm rot="10800000">
-            <a:off x="6248398" y="2971800"/>
-            <a:ext cx="914400" cy="914400"/>
-          </a:xfrm>
-          <a:prstGeom prst="rect">
-            <a:avLst/>
-          </a:prstGeom>
-        </p:spPr>
-      </p:pic>
-    </p:spTree>
-    <p:extLst>
-      <p:ext uri="{BB962C8B-B14F-4D97-AF65-F5344CB8AC3E}">
-        <p14:creationId xmlns:p14="http://schemas.microsoft.com/office/powerpoint/2010/main" val="502804926"/>
       </p:ext>
     </p:extLst>
   </p:cSld>
@@ -20096,12 +19957,9 @@
 </file>
 
 <file path=customXml/item1.xml><?xml version="1.0" encoding="utf-8"?>
-<?mso-contentType ?>
-<FormTemplates xmlns="http://schemas.microsoft.com/sharepoint/v3/contenttype/forms">
-  <Display>DocumentLibraryForm</Display>
-  <Edit>DocumentLibraryForm</Edit>
-  <New>DocumentLibraryForm</New>
-</FormTemplates>
+<p:properties xmlns:p="http://schemas.microsoft.com/office/2006/metadata/properties" xmlns:xsi="http://www.w3.org/2001/XMLSchema-instance" xmlns:pc="http://schemas.microsoft.com/office/infopath/2007/PartnerControls">
+  <documentManagement/>
+</p:properties>
 </file>
 
 <file path=customXml/item2.xml><?xml version="1.0" encoding="utf-8"?>
@@ -20243,15 +20101,26 @@
 </file>
 
 <file path=customXml/item3.xml><?xml version="1.0" encoding="utf-8"?>
-<p:properties xmlns:p="http://schemas.microsoft.com/office/2006/metadata/properties" xmlns:xsi="http://www.w3.org/2001/XMLSchema-instance" xmlns:pc="http://schemas.microsoft.com/office/infopath/2007/PartnerControls">
-  <documentManagement/>
-</p:properties>
+<?mso-contentType ?>
+<FormTemplates xmlns="http://schemas.microsoft.com/sharepoint/v3/contenttype/forms">
+  <Display>DocumentLibraryForm</Display>
+  <Edit>DocumentLibraryForm</Edit>
+  <New>DocumentLibraryForm</New>
+</FormTemplates>
 </file>
 
 <file path=customXml/itemProps1.xml><?xml version="1.0" encoding="utf-8"?>
-<ds:datastoreItem xmlns:ds="http://schemas.openxmlformats.org/officeDocument/2006/customXml" ds:itemID="{B09A3C3E-C24D-4627-AE0C-60B7851675C1}">
+<ds:datastoreItem xmlns:ds="http://schemas.openxmlformats.org/officeDocument/2006/customXml" ds:itemID="{8B7C7207-80B4-4DAA-AECC-B3CE67D5E137}">
   <ds:schemaRefs>
-    <ds:schemaRef ds:uri="http://schemas.microsoft.com/sharepoint/v3/contenttype/forms"/>
+    <ds:schemaRef ds:uri="http://www.w3.org/XML/1998/namespace"/>
+    <ds:schemaRef ds:uri="73d8284b-a534-43fa-a643-57b2bbd33759"/>
+    <ds:schemaRef ds:uri="http://purl.org/dc/dcmitype/"/>
+    <ds:schemaRef ds:uri="http://purl.org/dc/terms/"/>
+    <ds:schemaRef ds:uri="http://schemas.microsoft.com/office/2006/documentManagement/types"/>
+    <ds:schemaRef ds:uri="http://purl.org/dc/elements/1.1/"/>
+    <ds:schemaRef ds:uri="http://schemas.microsoft.com/office/2006/metadata/properties"/>
+    <ds:schemaRef ds:uri="http://schemas.microsoft.com/office/infopath/2007/PartnerControls"/>
+    <ds:schemaRef ds:uri="http://schemas.openxmlformats.org/package/2006/metadata/core-properties"/>
   </ds:schemaRefs>
 </ds:datastoreItem>
 </file>
@@ -20275,17 +20144,9 @@
 </file>
 
 <file path=customXml/itemProps3.xml><?xml version="1.0" encoding="utf-8"?>
-<ds:datastoreItem xmlns:ds="http://schemas.openxmlformats.org/officeDocument/2006/customXml" ds:itemID="{8B7C7207-80B4-4DAA-AECC-B3CE67D5E137}">
+<ds:datastoreItem xmlns:ds="http://schemas.openxmlformats.org/officeDocument/2006/customXml" ds:itemID="{B09A3C3E-C24D-4627-AE0C-60B7851675C1}">
   <ds:schemaRefs>
-    <ds:schemaRef ds:uri="http://www.w3.org/XML/1998/namespace"/>
-    <ds:schemaRef ds:uri="73d8284b-a534-43fa-a643-57b2bbd33759"/>
-    <ds:schemaRef ds:uri="http://purl.org/dc/dcmitype/"/>
-    <ds:schemaRef ds:uri="http://purl.org/dc/terms/"/>
-    <ds:schemaRef ds:uri="http://schemas.microsoft.com/office/2006/documentManagement/types"/>
-    <ds:schemaRef ds:uri="http://purl.org/dc/elements/1.1/"/>
-    <ds:schemaRef ds:uri="http://schemas.microsoft.com/office/2006/metadata/properties"/>
-    <ds:schemaRef ds:uri="http://schemas.microsoft.com/office/infopath/2007/PartnerControls"/>
-    <ds:schemaRef ds:uri="http://schemas.openxmlformats.org/package/2006/metadata/core-properties"/>
+    <ds:schemaRef ds:uri="http://schemas.microsoft.com/sharepoint/v3/contenttype/forms"/>
   </ds:schemaRefs>
 </ds:datastoreItem>
 </file>